--- a/Projeto_Compra/_imagens/Plano de Fundo.pptx
+++ b/Projeto_Compra/_imagens/Plano de Fundo.pptx
@@ -105,6 +105,11 @@
       </a:defRPr>
     </a:lvl9pPr>
   </p:defaultTextStyle>
+  <p:extLst>
+    <p:ext uri="{EFAFB233-063F-42B5-8137-9DF3F51BA10A}">
+      <p15:sldGuideLst xmlns:p15="http://schemas.microsoft.com/office/powerpoint/2012/main"/>
+    </p:ext>
+  </p:extLst>
 </p:presentation>
 </file>
 
@@ -306,7 +311,7 @@
           <a:p>
             <a:fld id="{11850F97-7745-40BE-BE0C-23E572F491CD}" type="datetimeFigureOut">
               <a:rPr lang="pt-BR" smtClean="0"/>
-              <a:t>30/11/2021</a:t>
+              <a:t>25/07/2023</a:t>
             </a:fld>
             <a:endParaRPr lang="pt-BR"/>
           </a:p>
@@ -504,7 +509,7 @@
           <a:p>
             <a:fld id="{11850F97-7745-40BE-BE0C-23E572F491CD}" type="datetimeFigureOut">
               <a:rPr lang="pt-BR" smtClean="0"/>
-              <a:t>30/11/2021</a:t>
+              <a:t>25/07/2023</a:t>
             </a:fld>
             <a:endParaRPr lang="pt-BR"/>
           </a:p>
@@ -712,7 +717,7 @@
           <a:p>
             <a:fld id="{11850F97-7745-40BE-BE0C-23E572F491CD}" type="datetimeFigureOut">
               <a:rPr lang="pt-BR" smtClean="0"/>
-              <a:t>30/11/2021</a:t>
+              <a:t>25/07/2023</a:t>
             </a:fld>
             <a:endParaRPr lang="pt-BR"/>
           </a:p>
@@ -910,7 +915,7 @@
           <a:p>
             <a:fld id="{11850F97-7745-40BE-BE0C-23E572F491CD}" type="datetimeFigureOut">
               <a:rPr lang="pt-BR" smtClean="0"/>
-              <a:t>30/11/2021</a:t>
+              <a:t>25/07/2023</a:t>
             </a:fld>
             <a:endParaRPr lang="pt-BR"/>
           </a:p>
@@ -1185,7 +1190,7 @@
           <a:p>
             <a:fld id="{11850F97-7745-40BE-BE0C-23E572F491CD}" type="datetimeFigureOut">
               <a:rPr lang="pt-BR" smtClean="0"/>
-              <a:t>30/11/2021</a:t>
+              <a:t>25/07/2023</a:t>
             </a:fld>
             <a:endParaRPr lang="pt-BR"/>
           </a:p>
@@ -1450,7 +1455,7 @@
           <a:p>
             <a:fld id="{11850F97-7745-40BE-BE0C-23E572F491CD}" type="datetimeFigureOut">
               <a:rPr lang="pt-BR" smtClean="0"/>
-              <a:t>30/11/2021</a:t>
+              <a:t>25/07/2023</a:t>
             </a:fld>
             <a:endParaRPr lang="pt-BR"/>
           </a:p>
@@ -1862,7 +1867,7 @@
           <a:p>
             <a:fld id="{11850F97-7745-40BE-BE0C-23E572F491CD}" type="datetimeFigureOut">
               <a:rPr lang="pt-BR" smtClean="0"/>
-              <a:t>30/11/2021</a:t>
+              <a:t>25/07/2023</a:t>
             </a:fld>
             <a:endParaRPr lang="pt-BR"/>
           </a:p>
@@ -2003,7 +2008,7 @@
           <a:p>
             <a:fld id="{11850F97-7745-40BE-BE0C-23E572F491CD}" type="datetimeFigureOut">
               <a:rPr lang="pt-BR" smtClean="0"/>
-              <a:t>30/11/2021</a:t>
+              <a:t>25/07/2023</a:t>
             </a:fld>
             <a:endParaRPr lang="pt-BR"/>
           </a:p>
@@ -2116,7 +2121,7 @@
           <a:p>
             <a:fld id="{11850F97-7745-40BE-BE0C-23E572F491CD}" type="datetimeFigureOut">
               <a:rPr lang="pt-BR" smtClean="0"/>
-              <a:t>30/11/2021</a:t>
+              <a:t>25/07/2023</a:t>
             </a:fld>
             <a:endParaRPr lang="pt-BR"/>
           </a:p>
@@ -2427,7 +2432,7 @@
           <a:p>
             <a:fld id="{11850F97-7745-40BE-BE0C-23E572F491CD}" type="datetimeFigureOut">
               <a:rPr lang="pt-BR" smtClean="0"/>
-              <a:t>30/11/2021</a:t>
+              <a:t>25/07/2023</a:t>
             </a:fld>
             <a:endParaRPr lang="pt-BR"/>
           </a:p>
@@ -2715,7 +2720,7 @@
           <a:p>
             <a:fld id="{11850F97-7745-40BE-BE0C-23E572F491CD}" type="datetimeFigureOut">
               <a:rPr lang="pt-BR" smtClean="0"/>
-              <a:t>30/11/2021</a:t>
+              <a:t>25/07/2023</a:t>
             </a:fld>
             <a:endParaRPr lang="pt-BR"/>
           </a:p>
@@ -2956,7 +2961,7 @@
           <a:p>
             <a:fld id="{11850F97-7745-40BE-BE0C-23E572F491CD}" type="datetimeFigureOut">
               <a:rPr lang="pt-BR" smtClean="0"/>
-              <a:t>30/11/2021</a:t>
+              <a:t>25/07/2023</a:t>
             </a:fld>
             <a:endParaRPr lang="pt-BR"/>
           </a:p>
@@ -3375,56 +3380,6 @@
       </p:grpSpPr>
       <p:sp>
         <p:nvSpPr>
-          <p:cNvPr id="2" name="Título 1">
-            <a:extLst>
-              <a:ext uri="{FF2B5EF4-FFF2-40B4-BE49-F238E27FC236}">
-                <a16:creationId xmlns:a16="http://schemas.microsoft.com/office/drawing/2014/main" id="{B88EA243-4424-4CE0-AAA4-7277B2215FF4}"/>
-              </a:ext>
-            </a:extLst>
-          </p:cNvPr>
-          <p:cNvSpPr>
-            <a:spLocks noGrp="1"/>
-          </p:cNvSpPr>
-          <p:nvPr>
-            <p:ph type="ctrTitle"/>
-          </p:nvPr>
-        </p:nvSpPr>
-        <p:spPr/>
-        <p:txBody>
-          <a:bodyPr/>
-          <a:lstStyle/>
-          <a:p>
-            <a:endParaRPr lang="pt-BR"/>
-          </a:p>
-        </p:txBody>
-      </p:sp>
-      <p:sp>
-        <p:nvSpPr>
-          <p:cNvPr id="3" name="Subtítulo 2">
-            <a:extLst>
-              <a:ext uri="{FF2B5EF4-FFF2-40B4-BE49-F238E27FC236}">
-                <a16:creationId xmlns:a16="http://schemas.microsoft.com/office/drawing/2014/main" id="{A8C628B1-5695-4B8E-B4FF-E6EE91C69623}"/>
-              </a:ext>
-            </a:extLst>
-          </p:cNvPr>
-          <p:cNvSpPr>
-            <a:spLocks noGrp="1"/>
-          </p:cNvSpPr>
-          <p:nvPr>
-            <p:ph type="subTitle" idx="1"/>
-          </p:nvPr>
-        </p:nvSpPr>
-        <p:spPr/>
-        <p:txBody>
-          <a:bodyPr/>
-          <a:lstStyle/>
-          <a:p>
-            <a:endParaRPr lang="pt-BR"/>
-          </a:p>
-        </p:txBody>
-      </p:sp>
-      <p:sp>
-        <p:nvSpPr>
           <p:cNvPr id="4" name="Retângulo: Cantos Arredondados 3">
             <a:extLst>
               <a:ext uri="{FF2B5EF4-FFF2-40B4-BE49-F238E27FC236}">
@@ -3445,27 +3400,12 @@
               <a:gd name="adj" fmla="val 3334"/>
             </a:avLst>
           </a:prstGeom>
-          <a:gradFill flip="none" rotWithShape="1">
-            <a:gsLst>
-              <a:gs pos="0">
-                <a:srgbClr val="261D65"/>
-              </a:gs>
-              <a:gs pos="62000">
-                <a:srgbClr val="17123E"/>
-              </a:gs>
-              <a:gs pos="76000">
-                <a:srgbClr val="17123E"/>
-              </a:gs>
-              <a:gs pos="100000">
-                <a:srgbClr val="17123E"/>
-              </a:gs>
-            </a:gsLst>
-            <a:lin ang="2700000" scaled="1"/>
-            <a:tileRect/>
-          </a:gradFill>
+          <a:solidFill>
+            <a:srgbClr val="C5881A"/>
+          </a:solidFill>
           <a:ln>
             <a:solidFill>
-              <a:srgbClr val="074365"/>
+              <a:srgbClr val="C5881A"/>
             </a:solidFill>
           </a:ln>
           <a:effectLst>
@@ -3513,7 +3453,7 @@
               <a:tabLst/>
               <a:defRPr/>
             </a:pPr>
-            <a:endParaRPr kumimoji="0" lang="pt-BR" sz="1800" b="0" i="0" u="none" strike="noStrike" kern="1200" cap="none" spc="0" normalizeH="0" baseline="0" noProof="0">
+            <a:endParaRPr kumimoji="0" lang="pt-BR" sz="1800" b="0" i="0" u="none" strike="noStrike" kern="1200" cap="none" spc="0" normalizeH="0" baseline="0" noProof="0" dirty="0">
               <a:ln>
                 <a:noFill/>
               </a:ln>
@@ -3532,6 +3472,93 @@
       </p:sp>
       <p:sp>
         <p:nvSpPr>
+          <p:cNvPr id="6" name="CaixaDeTexto 5">
+            <a:extLst>
+              <a:ext uri="{FF2B5EF4-FFF2-40B4-BE49-F238E27FC236}">
+                <a16:creationId xmlns:a16="http://schemas.microsoft.com/office/drawing/2014/main" id="{934E810C-0B30-4D0D-9620-2BF6F15DC962}"/>
+              </a:ext>
+            </a:extLst>
+          </p:cNvPr>
+          <p:cNvSpPr txBox="1"/>
+          <p:nvPr/>
+        </p:nvSpPr>
+        <p:spPr>
+          <a:xfrm>
+            <a:off x="2797855" y="111023"/>
+            <a:ext cx="6905072" cy="584775"/>
+          </a:xfrm>
+          <a:prstGeom prst="rect">
+            <a:avLst/>
+          </a:prstGeom>
+          <a:noFill/>
+        </p:spPr>
+        <p:txBody>
+          <a:bodyPr wrap="square" rtlCol="0">
+            <a:spAutoFit/>
+          </a:bodyPr>
+          <a:lstStyle/>
+          <a:p>
+            <a:pPr marL="0" marR="0" lvl="0" indent="0" algn="ctr" defTabSz="914400" rtl="0" eaLnBrk="1" fontAlgn="auto" latinLnBrk="0" hangingPunct="1">
+              <a:lnSpc>
+                <a:spcPct val="100000"/>
+              </a:lnSpc>
+              <a:spcBef>
+                <a:spcPts val="0"/>
+              </a:spcBef>
+              <a:spcAft>
+                <a:spcPts val="0"/>
+              </a:spcAft>
+              <a:buClrTx/>
+              <a:buSzTx/>
+              <a:buFontTx/>
+              <a:buNone/>
+              <a:tabLst/>
+              <a:defRPr/>
+            </a:pPr>
+            <a:r>
+              <a:rPr kumimoji="0" lang="pt-BR" sz="3200" b="1" i="0" u="none" strike="noStrike" kern="1200" normalizeH="0" baseline="0" noProof="0" dirty="0">
+                <a:ln w="0"/>
+                <a:solidFill>
+                  <a:schemeClr val="bg1"/>
+                </a:solidFill>
+                <a:effectLst>
+                  <a:outerShdw blurRad="38100" dist="19050" dir="2700000" algn="tl" rotWithShape="0">
+                    <a:schemeClr val="dk1">
+                      <a:alpha val="40000"/>
+                    </a:schemeClr>
+                  </a:outerShdw>
+                </a:effectLst>
+                <a:uLnTx/>
+                <a:uFillTx/>
+                <a:latin typeface="ORBITRON" pitchFamily="2" charset="0"/>
+                <a:ea typeface="+mn-ea"/>
+                <a:cs typeface="+mn-cs"/>
+              </a:rPr>
+              <a:t>DASHBOARD COMPRAS</a:t>
+            </a:r>
+            <a:endParaRPr kumimoji="0" lang="pt-BR" sz="3200" b="1" i="0" u="none" strike="noStrike" kern="1200" normalizeH="0" baseline="0" noProof="0" dirty="0">
+              <a:ln w="0"/>
+              <a:solidFill>
+                <a:schemeClr val="bg1"/>
+              </a:solidFill>
+              <a:effectLst>
+                <a:outerShdw blurRad="38100" dist="19050" dir="2700000" algn="tl" rotWithShape="0">
+                  <a:schemeClr val="dk1">
+                    <a:alpha val="40000"/>
+                  </a:schemeClr>
+                </a:outerShdw>
+              </a:effectLst>
+              <a:uLnTx/>
+              <a:uFillTx/>
+              <a:latin typeface="Calibri" panose="020F0502020204030204"/>
+              <a:ea typeface="+mn-ea"/>
+              <a:cs typeface="+mn-cs"/>
+            </a:endParaRPr>
+          </a:p>
+        </p:txBody>
+      </p:sp>
+      <p:sp>
+        <p:nvSpPr>
           <p:cNvPr id="5" name="Retângulo: Cantos Arredondados 4">
             <a:extLst>
               <a:ext uri="{FF2B5EF4-FFF2-40B4-BE49-F238E27FC236}">
@@ -3545,43 +3572,37 @@
         <p:spPr>
           <a:xfrm>
             <a:off x="182881" y="757354"/>
-            <a:ext cx="2401613" cy="712067"/>
+            <a:ext cx="2264755" cy="702429"/>
           </a:xfrm>
           <a:prstGeom prst="roundRect">
             <a:avLst>
               <a:gd name="adj" fmla="val 3334"/>
             </a:avLst>
           </a:prstGeom>
-          <a:gradFill flip="none" rotWithShape="1">
-            <a:gsLst>
-              <a:gs pos="0">
-                <a:srgbClr val="261D65"/>
-              </a:gs>
-              <a:gs pos="62000">
-                <a:srgbClr val="17123E"/>
-              </a:gs>
-              <a:gs pos="76000">
-                <a:srgbClr val="17123E"/>
-              </a:gs>
-              <a:gs pos="100000">
-                <a:srgbClr val="17123E"/>
-              </a:gs>
-            </a:gsLst>
-            <a:lin ang="2700000" scaled="1"/>
-            <a:tileRect/>
-          </a:gradFill>
+          <a:solidFill>
+            <a:srgbClr val="645354"/>
+          </a:solidFill>
           <a:ln>
-            <a:solidFill>
-              <a:srgbClr val="074365"/>
-            </a:solidFill>
+            <a:noFill/>
           </a:ln>
           <a:effectLst>
-            <a:outerShdw blurRad="50800" dist="38100" dir="3300000" algn="t" rotWithShape="0">
-              <a:schemeClr val="bg1">
-                <a:alpha val="40000"/>
-              </a:schemeClr>
+            <a:outerShdw blurRad="44450" dist="27940" dir="5400000" algn="ctr">
+              <a:srgbClr val="000000">
+                <a:alpha val="32000"/>
+              </a:srgbClr>
             </a:outerShdw>
           </a:effectLst>
+          <a:scene3d>
+            <a:camera prst="orthographicFront">
+              <a:rot lat="0" lon="0" rev="0"/>
+            </a:camera>
+            <a:lightRig rig="balanced" dir="t">
+              <a:rot lat="0" lon="0" rev="8700000"/>
+            </a:lightRig>
+          </a:scene3d>
+          <a:sp3d>
+            <a:bevelT w="190500" h="38100"/>
+          </a:sp3d>
         </p:spPr>
         <p:style>
           <a:lnRef idx="2">
@@ -3659,36 +3680,30 @@
               <a:gd name="adj" fmla="val 3334"/>
             </a:avLst>
           </a:prstGeom>
-          <a:gradFill flip="none" rotWithShape="1">
-            <a:gsLst>
-              <a:gs pos="0">
-                <a:srgbClr val="261D65"/>
-              </a:gs>
-              <a:gs pos="62000">
-                <a:srgbClr val="17123E"/>
-              </a:gs>
-              <a:gs pos="76000">
-                <a:srgbClr val="17123E"/>
-              </a:gs>
-              <a:gs pos="100000">
-                <a:srgbClr val="17123E"/>
-              </a:gs>
-            </a:gsLst>
-            <a:lin ang="2700000" scaled="1"/>
-            <a:tileRect/>
-          </a:gradFill>
+          <a:solidFill>
+            <a:srgbClr val="D9AA56"/>
+          </a:solidFill>
           <a:ln>
-            <a:solidFill>
-              <a:srgbClr val="074365"/>
-            </a:solidFill>
+            <a:noFill/>
           </a:ln>
           <a:effectLst>
-            <a:outerShdw blurRad="50800" dist="38100" dir="3300000" algn="t" rotWithShape="0">
-              <a:schemeClr val="bg1">
-                <a:alpha val="40000"/>
-              </a:schemeClr>
+            <a:outerShdw blurRad="44450" dist="27940" dir="5400000" algn="ctr">
+              <a:srgbClr val="000000">
+                <a:alpha val="32000"/>
+              </a:srgbClr>
             </a:outerShdw>
           </a:effectLst>
+          <a:scene3d>
+            <a:camera prst="orthographicFront">
+              <a:rot lat="0" lon="0" rev="0"/>
+            </a:camera>
+            <a:lightRig rig="balanced" dir="t">
+              <a:rot lat="0" lon="0" rev="8700000"/>
+            </a:lightRig>
+          </a:scene3d>
+          <a:sp3d>
+            <a:bevelT w="190500" h="38100"/>
+          </a:sp3d>
         </p:spPr>
         <p:style>
           <a:lnRef idx="2">
@@ -3766,36 +3781,30 @@
               <a:gd name="adj" fmla="val 3334"/>
             </a:avLst>
           </a:prstGeom>
-          <a:gradFill flip="none" rotWithShape="1">
-            <a:gsLst>
-              <a:gs pos="0">
-                <a:srgbClr val="261D65"/>
-              </a:gs>
-              <a:gs pos="62000">
-                <a:srgbClr val="17123E"/>
-              </a:gs>
-              <a:gs pos="76000">
-                <a:srgbClr val="17123E"/>
-              </a:gs>
-              <a:gs pos="100000">
-                <a:srgbClr val="17123E"/>
-              </a:gs>
-            </a:gsLst>
-            <a:lin ang="2700000" scaled="1"/>
-            <a:tileRect/>
-          </a:gradFill>
+          <a:solidFill>
+            <a:srgbClr val="D9AA56"/>
+          </a:solidFill>
           <a:ln>
-            <a:solidFill>
-              <a:srgbClr val="074365"/>
-            </a:solidFill>
+            <a:noFill/>
           </a:ln>
           <a:effectLst>
-            <a:outerShdw blurRad="50800" dist="38100" dir="3300000" algn="t" rotWithShape="0">
-              <a:schemeClr val="bg1">
-                <a:alpha val="40000"/>
-              </a:schemeClr>
+            <a:outerShdw blurRad="44450" dist="27940" dir="5400000" algn="ctr">
+              <a:srgbClr val="000000">
+                <a:alpha val="32000"/>
+              </a:srgbClr>
             </a:outerShdw>
           </a:effectLst>
+          <a:scene3d>
+            <a:camera prst="orthographicFront">
+              <a:rot lat="0" lon="0" rev="0"/>
+            </a:camera>
+            <a:lightRig rig="balanced" dir="t">
+              <a:rot lat="0" lon="0" rev="8700000"/>
+            </a:lightRig>
+          </a:scene3d>
+          <a:sp3d>
+            <a:bevelT w="190500" h="38100"/>
+          </a:sp3d>
         </p:spPr>
         <p:style>
           <a:lnRef idx="2">
@@ -3865,7 +3874,7 @@
         </p:nvSpPr>
         <p:spPr>
           <a:xfrm>
-            <a:off x="8102601" y="1627348"/>
+            <a:off x="8102599" y="1625455"/>
             <a:ext cx="3956968" cy="2387603"/>
           </a:xfrm>
           <a:prstGeom prst="roundRect">
@@ -3873,36 +3882,30 @@
               <a:gd name="adj" fmla="val 3334"/>
             </a:avLst>
           </a:prstGeom>
-          <a:gradFill flip="none" rotWithShape="1">
-            <a:gsLst>
-              <a:gs pos="0">
-                <a:srgbClr val="261D65"/>
-              </a:gs>
-              <a:gs pos="62000">
-                <a:srgbClr val="17123E"/>
-              </a:gs>
-              <a:gs pos="76000">
-                <a:srgbClr val="17123E"/>
-              </a:gs>
-              <a:gs pos="100000">
-                <a:srgbClr val="17123E"/>
-              </a:gs>
-            </a:gsLst>
-            <a:lin ang="2700000" scaled="1"/>
-            <a:tileRect/>
-          </a:gradFill>
+          <a:solidFill>
+            <a:srgbClr val="D9AA56"/>
+          </a:solidFill>
           <a:ln>
-            <a:solidFill>
-              <a:srgbClr val="074365"/>
-            </a:solidFill>
+            <a:noFill/>
           </a:ln>
           <a:effectLst>
-            <a:outerShdw blurRad="50800" dist="38100" dir="3300000" algn="t" rotWithShape="0">
-              <a:schemeClr val="bg1">
-                <a:alpha val="40000"/>
-              </a:schemeClr>
+            <a:outerShdw blurRad="44450" dist="27940" dir="5400000" algn="ctr">
+              <a:srgbClr val="000000">
+                <a:alpha val="32000"/>
+              </a:srgbClr>
             </a:outerShdw>
           </a:effectLst>
+          <a:scene3d>
+            <a:camera prst="orthographicFront">
+              <a:rot lat="0" lon="0" rev="0"/>
+            </a:camera>
+            <a:lightRig rig="balanced" dir="t">
+              <a:rot lat="0" lon="0" rev="8700000"/>
+            </a:lightRig>
+          </a:scene3d>
+          <a:sp3d>
+            <a:bevelT w="190500" h="38100"/>
+          </a:sp3d>
         </p:spPr>
         <p:style>
           <a:lnRef idx="2">
@@ -3958,103 +3961,52 @@
           </a:p>
         </p:txBody>
       </p:sp>
-      <p:pic>
-        <p:nvPicPr>
-          <p:cNvPr id="20" name="Imagem 19" descr="Ícone&#10;&#10;Descrição gerada automaticamente">
-            <a:extLst>
-              <a:ext uri="{FF2B5EF4-FFF2-40B4-BE49-F238E27FC236}">
-                <a16:creationId xmlns:a16="http://schemas.microsoft.com/office/drawing/2014/main" id="{90C38308-BCCB-4492-B76E-A1953D56FC77}"/>
-              </a:ext>
-            </a:extLst>
-          </p:cNvPr>
-          <p:cNvPicPr>
-            <a:picLocks noChangeAspect="1"/>
-          </p:cNvPicPr>
+      <p:sp>
+        <p:nvSpPr>
+          <p:cNvPr id="33" name="Retângulo: Cantos Arredondados 32">
+            <a:extLst>
+              <a:ext uri="{FF2B5EF4-FFF2-40B4-BE49-F238E27FC236}">
+                <a16:creationId xmlns:a16="http://schemas.microsoft.com/office/drawing/2014/main" id="{0D529AF9-1235-4FD6-A1DA-1B5AF9B0CA08}"/>
+              </a:ext>
+            </a:extLst>
+          </p:cNvPr>
+          <p:cNvSpPr/>
           <p:nvPr/>
-        </p:nvPicPr>
-        <p:blipFill>
-          <a:blip r:embed="rId2">
-            <a:biLevel thresh="25000"/>
-            <a:extLst>
-              <a:ext uri="{28A0092B-C50C-407E-A947-70E740481C1C}">
-                <a14:useLocalDpi xmlns:a14="http://schemas.microsoft.com/office/drawing/2010/main" val="0"/>
-              </a:ext>
-            </a:extLst>
-          </a:blip>
-          <a:stretch>
-            <a:fillRect/>
-          </a:stretch>
-        </p:blipFill>
+        </p:nvSpPr>
         <p:spPr>
           <a:xfrm>
-            <a:off x="303508" y="863226"/>
-            <a:ext cx="540003" cy="540000"/>
-          </a:xfrm>
-          <a:prstGeom prst="rect">
-            <a:avLst/>
-          </a:prstGeom>
-          <a:effectLst>
-            <a:glow rad="38100">
-              <a:schemeClr val="accent1">
-                <a:satMod val="175000"/>
-                <a:alpha val="40000"/>
-              </a:schemeClr>
-            </a:glow>
-          </a:effectLst>
-        </p:spPr>
-      </p:pic>
-      <p:sp>
-        <p:nvSpPr>
-          <p:cNvPr id="33" name="Retângulo: Cantos Arredondados 32">
-            <a:extLst>
-              <a:ext uri="{FF2B5EF4-FFF2-40B4-BE49-F238E27FC236}">
-                <a16:creationId xmlns:a16="http://schemas.microsoft.com/office/drawing/2014/main" id="{0D529AF9-1235-4FD6-A1DA-1B5AF9B0CA08}"/>
-              </a:ext>
-            </a:extLst>
-          </p:cNvPr>
-          <p:cNvSpPr/>
-          <p:nvPr/>
-        </p:nvSpPr>
-        <p:spPr>
-          <a:xfrm>
-            <a:off x="2745344" y="757354"/>
-            <a:ext cx="2177911" cy="712067"/>
+            <a:off x="2745343" y="757354"/>
+            <a:ext cx="2264400" cy="712067"/>
           </a:xfrm>
           <a:prstGeom prst="roundRect">
             <a:avLst>
               <a:gd name="adj" fmla="val 3334"/>
             </a:avLst>
           </a:prstGeom>
-          <a:gradFill flip="none" rotWithShape="1">
-            <a:gsLst>
-              <a:gs pos="0">
-                <a:srgbClr val="261D65"/>
-              </a:gs>
-              <a:gs pos="62000">
-                <a:srgbClr val="17123E"/>
-              </a:gs>
-              <a:gs pos="76000">
-                <a:srgbClr val="17123E"/>
-              </a:gs>
-              <a:gs pos="100000">
-                <a:srgbClr val="17123E"/>
-              </a:gs>
-            </a:gsLst>
-            <a:lin ang="2700000" scaled="1"/>
-            <a:tileRect/>
-          </a:gradFill>
+          <a:solidFill>
+            <a:srgbClr val="645354"/>
+          </a:solidFill>
           <a:ln>
-            <a:solidFill>
-              <a:srgbClr val="074365"/>
-            </a:solidFill>
+            <a:noFill/>
           </a:ln>
           <a:effectLst>
-            <a:outerShdw blurRad="50800" dist="38100" dir="3300000" algn="t" rotWithShape="0">
-              <a:schemeClr val="bg1">
-                <a:alpha val="40000"/>
-              </a:schemeClr>
+            <a:outerShdw blurRad="44450" dist="27940" dir="5400000" algn="ctr">
+              <a:srgbClr val="000000">
+                <a:alpha val="32000"/>
+              </a:srgbClr>
             </a:outerShdw>
           </a:effectLst>
+          <a:scene3d>
+            <a:camera prst="orthographicFront">
+              <a:rot lat="0" lon="0" rev="0"/>
+            </a:camera>
+            <a:lightRig rig="balanced" dir="t">
+              <a:rot lat="0" lon="0" rev="8700000"/>
+            </a:lightRig>
+          </a:scene3d>
+          <a:sp3d>
+            <a:bevelT w="190500" h="38100"/>
+          </a:sp3d>
         </p:spPr>
         <p:style>
           <a:lnRef idx="2">
@@ -4110,103 +4062,52 @@
           </a:p>
         </p:txBody>
       </p:sp>
-      <p:pic>
-        <p:nvPicPr>
-          <p:cNvPr id="29" name="Imagem 28" descr="Ícone&#10;&#10;Descrição gerada automaticamente">
-            <a:extLst>
-              <a:ext uri="{FF2B5EF4-FFF2-40B4-BE49-F238E27FC236}">
-                <a16:creationId xmlns:a16="http://schemas.microsoft.com/office/drawing/2014/main" id="{AD5E64E2-719C-4C0C-8BAA-E07CB68FDFC6}"/>
-              </a:ext>
-            </a:extLst>
-          </p:cNvPr>
-          <p:cNvPicPr>
-            <a:picLocks noChangeAspect="1"/>
-          </p:cNvPicPr>
+      <p:sp>
+        <p:nvSpPr>
+          <p:cNvPr id="34" name="Retângulo: Cantos Arredondados 33">
+            <a:extLst>
+              <a:ext uri="{FF2B5EF4-FFF2-40B4-BE49-F238E27FC236}">
+                <a16:creationId xmlns:a16="http://schemas.microsoft.com/office/drawing/2014/main" id="{98F27D34-18C8-4504-9F0B-4FD3A9047354}"/>
+              </a:ext>
+            </a:extLst>
+          </p:cNvPr>
+          <p:cNvSpPr/>
           <p:nvPr/>
-        </p:nvPicPr>
-        <p:blipFill>
-          <a:blip r:embed="rId3">
-            <a:biLevel thresh="25000"/>
-            <a:extLst>
-              <a:ext uri="{28A0092B-C50C-407E-A947-70E740481C1C}">
-                <a14:useLocalDpi xmlns:a14="http://schemas.microsoft.com/office/drawing/2010/main" val="0"/>
-              </a:ext>
-            </a:extLst>
-          </a:blip>
-          <a:stretch>
-            <a:fillRect/>
-          </a:stretch>
-        </p:blipFill>
+        </p:nvSpPr>
         <p:spPr>
           <a:xfrm>
-            <a:off x="2806006" y="853053"/>
-            <a:ext cx="540000" cy="540000"/>
-          </a:xfrm>
-          <a:prstGeom prst="rect">
-            <a:avLst/>
-          </a:prstGeom>
-          <a:effectLst>
-            <a:glow rad="38100">
-              <a:schemeClr val="accent1">
-                <a:satMod val="175000"/>
-                <a:alpha val="40000"/>
-              </a:schemeClr>
-            </a:glow>
-          </a:effectLst>
-        </p:spPr>
-      </p:pic>
-      <p:sp>
-        <p:nvSpPr>
-          <p:cNvPr id="34" name="Retângulo: Cantos Arredondados 33">
-            <a:extLst>
-              <a:ext uri="{FF2B5EF4-FFF2-40B4-BE49-F238E27FC236}">
-                <a16:creationId xmlns:a16="http://schemas.microsoft.com/office/drawing/2014/main" id="{98F27D34-18C8-4504-9F0B-4FD3A9047354}"/>
-              </a:ext>
-            </a:extLst>
-          </p:cNvPr>
-          <p:cNvSpPr/>
-          <p:nvPr/>
-        </p:nvSpPr>
-        <p:spPr>
-          <a:xfrm>
-            <a:off x="5040984" y="757354"/>
-            <a:ext cx="2177911" cy="712067"/>
+            <a:off x="5307449" y="767019"/>
+            <a:ext cx="2264400" cy="712067"/>
           </a:xfrm>
           <a:prstGeom prst="roundRect">
             <a:avLst>
               <a:gd name="adj" fmla="val 3334"/>
             </a:avLst>
           </a:prstGeom>
-          <a:gradFill flip="none" rotWithShape="1">
-            <a:gsLst>
-              <a:gs pos="0">
-                <a:srgbClr val="261D65"/>
-              </a:gs>
-              <a:gs pos="62000">
-                <a:srgbClr val="17123E"/>
-              </a:gs>
-              <a:gs pos="76000">
-                <a:srgbClr val="17123E"/>
-              </a:gs>
-              <a:gs pos="100000">
-                <a:srgbClr val="17123E"/>
-              </a:gs>
-            </a:gsLst>
-            <a:lin ang="2700000" scaled="1"/>
-            <a:tileRect/>
-          </a:gradFill>
+          <a:solidFill>
+            <a:srgbClr val="645354"/>
+          </a:solidFill>
           <a:ln>
-            <a:solidFill>
-              <a:srgbClr val="074365"/>
-            </a:solidFill>
+            <a:noFill/>
           </a:ln>
           <a:effectLst>
-            <a:outerShdw blurRad="50800" dist="38100" dir="3300000" algn="t" rotWithShape="0">
-              <a:schemeClr val="bg1">
-                <a:alpha val="40000"/>
-              </a:schemeClr>
+            <a:outerShdw blurRad="44450" dist="27940" dir="5400000" algn="ctr">
+              <a:srgbClr val="000000">
+                <a:alpha val="32000"/>
+              </a:srgbClr>
             </a:outerShdw>
           </a:effectLst>
+          <a:scene3d>
+            <a:camera prst="orthographicFront">
+              <a:rot lat="0" lon="0" rev="0"/>
+            </a:camera>
+            <a:lightRig rig="balanced" dir="t">
+              <a:rot lat="0" lon="0" rev="8700000"/>
+            </a:lightRig>
+          </a:scene3d>
+          <a:sp3d>
+            <a:bevelT w="190500" h="38100"/>
+          </a:sp3d>
         </p:spPr>
         <p:style>
           <a:lnRef idx="2">
@@ -4262,204 +4163,6 @@
           </a:p>
         </p:txBody>
       </p:sp>
-      <p:pic>
-        <p:nvPicPr>
-          <p:cNvPr id="22" name="Imagem 21" descr="Logotipo, Ícone&#10;&#10;Descrição gerada automaticamente">
-            <a:extLst>
-              <a:ext uri="{FF2B5EF4-FFF2-40B4-BE49-F238E27FC236}">
-                <a16:creationId xmlns:a16="http://schemas.microsoft.com/office/drawing/2014/main" id="{B6F2726D-9488-431C-9D02-D1DB49A6A4BE}"/>
-              </a:ext>
-            </a:extLst>
-          </p:cNvPr>
-          <p:cNvPicPr>
-            <a:picLocks noChangeAspect="1"/>
-          </p:cNvPicPr>
-          <p:nvPr/>
-        </p:nvPicPr>
-        <p:blipFill>
-          <a:blip r:embed="rId4">
-            <a:biLevel thresh="25000"/>
-            <a:extLst>
-              <a:ext uri="{28A0092B-C50C-407E-A947-70E740481C1C}">
-                <a14:useLocalDpi xmlns:a14="http://schemas.microsoft.com/office/drawing/2010/main" val="0"/>
-              </a:ext>
-            </a:extLst>
-          </a:blip>
-          <a:stretch>
-            <a:fillRect/>
-          </a:stretch>
-        </p:blipFill>
-        <p:spPr>
-          <a:xfrm>
-            <a:off x="5118122" y="842207"/>
-            <a:ext cx="576000" cy="576000"/>
-          </a:xfrm>
-          <a:prstGeom prst="rect">
-            <a:avLst/>
-          </a:prstGeom>
-          <a:effectLst>
-            <a:glow rad="38100">
-              <a:schemeClr val="accent1">
-                <a:satMod val="175000"/>
-                <a:alpha val="40000"/>
-              </a:schemeClr>
-            </a:glow>
-          </a:effectLst>
-        </p:spPr>
-      </p:pic>
-      <p:pic>
-        <p:nvPicPr>
-          <p:cNvPr id="36" name="Imagem 35">
-            <a:extLst>
-              <a:ext uri="{FF2B5EF4-FFF2-40B4-BE49-F238E27FC236}">
-                <a16:creationId xmlns:a16="http://schemas.microsoft.com/office/drawing/2014/main" id="{8A3CA45F-9DB1-4B7E-A3F5-D7BC8AD403F5}"/>
-              </a:ext>
-            </a:extLst>
-          </p:cNvPr>
-          <p:cNvPicPr>
-            <a:picLocks noChangeAspect="1"/>
-          </p:cNvPicPr>
-          <p:nvPr/>
-        </p:nvPicPr>
-        <p:blipFill>
-          <a:blip r:embed="rId5">
-            <a:duotone>
-              <a:schemeClr val="accent1">
-                <a:shade val="45000"/>
-                <a:satMod val="135000"/>
-              </a:schemeClr>
-              <a:prstClr val="white"/>
-            </a:duotone>
-            <a:extLst>
-              <a:ext uri="{BEBA8EAE-BF5A-486C-A8C5-ECC9F3942E4B}">
-                <a14:imgProps xmlns:a14="http://schemas.microsoft.com/office/drawing/2010/main">
-                  <a14:imgLayer r:embed="rId6">
-                    <a14:imgEffect>
-                      <a14:colorTemperature colorTemp="8800"/>
-                    </a14:imgEffect>
-                  </a14:imgLayer>
-                </a14:imgProps>
-              </a:ext>
-              <a:ext uri="{28A0092B-C50C-407E-A947-70E740481C1C}">
-                <a14:useLocalDpi xmlns:a14="http://schemas.microsoft.com/office/drawing/2010/main" val="0"/>
-              </a:ext>
-            </a:extLst>
-          </a:blip>
-          <a:stretch>
-            <a:fillRect/>
-          </a:stretch>
-        </p:blipFill>
-        <p:spPr>
-          <a:xfrm>
-            <a:off x="2671557" y="7262"/>
-            <a:ext cx="786826" cy="788459"/>
-          </a:xfrm>
-          <a:prstGeom prst="rect">
-            <a:avLst/>
-          </a:prstGeom>
-          <a:effectLst>
-            <a:glow rad="25400">
-              <a:schemeClr val="accent5">
-                <a:satMod val="175000"/>
-                <a:alpha val="40000"/>
-              </a:schemeClr>
-            </a:glow>
-          </a:effectLst>
-        </p:spPr>
-      </p:pic>
-      <p:sp>
-        <p:nvSpPr>
-          <p:cNvPr id="6" name="CaixaDeTexto 5">
-            <a:extLst>
-              <a:ext uri="{FF2B5EF4-FFF2-40B4-BE49-F238E27FC236}">
-                <a16:creationId xmlns:a16="http://schemas.microsoft.com/office/drawing/2014/main" id="{934E810C-0B30-4D0D-9620-2BF6F15DC962}"/>
-              </a:ext>
-            </a:extLst>
-          </p:cNvPr>
-          <p:cNvSpPr txBox="1"/>
-          <p:nvPr/>
-        </p:nvSpPr>
-        <p:spPr>
-          <a:xfrm>
-            <a:off x="2797855" y="111023"/>
-            <a:ext cx="6905072" cy="584775"/>
-          </a:xfrm>
-          <a:prstGeom prst="rect">
-            <a:avLst/>
-          </a:prstGeom>
-          <a:noFill/>
-        </p:spPr>
-        <p:txBody>
-          <a:bodyPr wrap="square" rtlCol="0">
-            <a:spAutoFit/>
-          </a:bodyPr>
-          <a:lstStyle/>
-          <a:p>
-            <a:pPr marL="0" marR="0" lvl="0" indent="0" algn="ctr" defTabSz="914400" rtl="0" eaLnBrk="1" fontAlgn="auto" latinLnBrk="0" hangingPunct="1">
-              <a:lnSpc>
-                <a:spcPct val="100000"/>
-              </a:lnSpc>
-              <a:spcBef>
-                <a:spcPts val="0"/>
-              </a:spcBef>
-              <a:spcAft>
-                <a:spcPts val="0"/>
-              </a:spcAft>
-              <a:buClrTx/>
-              <a:buSzTx/>
-              <a:buFontTx/>
-              <a:buNone/>
-              <a:tabLst/>
-              <a:defRPr/>
-            </a:pPr>
-            <a:r>
-              <a:rPr kumimoji="0" lang="pt-BR" sz="3200" b="0" i="0" u="none" strike="noStrike" kern="1200" cap="none" spc="170" normalizeH="0" baseline="0" noProof="0" dirty="0">
-                <a:ln>
-                  <a:noFill/>
-                </a:ln>
-                <a:solidFill>
-                  <a:prstClr val="white"/>
-                </a:solidFill>
-                <a:effectLst>
-                  <a:glow rad="76200">
-                    <a:srgbClr val="4472C4">
-                      <a:satMod val="175000"/>
-                      <a:alpha val="40000"/>
-                    </a:srgbClr>
-                  </a:glow>
-                </a:effectLst>
-                <a:uLnTx/>
-                <a:uFillTx/>
-                <a:latin typeface="ORBITRON" pitchFamily="2" charset="0"/>
-                <a:ea typeface="+mn-ea"/>
-                <a:cs typeface="+mn-cs"/>
-              </a:rPr>
-              <a:t>DASHBOARD COMPRAS</a:t>
-            </a:r>
-            <a:endParaRPr kumimoji="0" lang="pt-BR" sz="3200" b="0" i="0" u="none" strike="noStrike" kern="1200" cap="none" spc="0" normalizeH="0" baseline="0" noProof="0" dirty="0">
-              <a:ln>
-                <a:noFill/>
-              </a:ln>
-              <a:solidFill>
-                <a:prstClr val="black"/>
-              </a:solidFill>
-              <a:effectLst>
-                <a:glow rad="76200">
-                  <a:srgbClr val="4472C4">
-                    <a:satMod val="175000"/>
-                    <a:alpha val="40000"/>
-                  </a:srgbClr>
-                </a:glow>
-              </a:effectLst>
-              <a:uLnTx/>
-              <a:uFillTx/>
-              <a:latin typeface="Calibri" panose="020F0502020204030204"/>
-              <a:ea typeface="+mn-ea"/>
-              <a:cs typeface="+mn-cs"/>
-            </a:endParaRPr>
-          </a:p>
-        </p:txBody>
-      </p:sp>
       <p:sp>
         <p:nvSpPr>
           <p:cNvPr id="37" name="Retângulo: Cantos Arredondados 36">
@@ -4482,36 +4185,30 @@
               <a:gd name="adj" fmla="val 3334"/>
             </a:avLst>
           </a:prstGeom>
-          <a:gradFill flip="none" rotWithShape="1">
-            <a:gsLst>
-              <a:gs pos="0">
-                <a:srgbClr val="261D65"/>
-              </a:gs>
-              <a:gs pos="62000">
-                <a:srgbClr val="17123E"/>
-              </a:gs>
-              <a:gs pos="76000">
-                <a:srgbClr val="17123E"/>
-              </a:gs>
-              <a:gs pos="100000">
-                <a:srgbClr val="17123E"/>
-              </a:gs>
-            </a:gsLst>
-            <a:lin ang="2700000" scaled="1"/>
-            <a:tileRect/>
-          </a:gradFill>
+          <a:solidFill>
+            <a:srgbClr val="D9AA56"/>
+          </a:solidFill>
           <a:ln>
-            <a:solidFill>
-              <a:srgbClr val="074365"/>
-            </a:solidFill>
+            <a:noFill/>
           </a:ln>
           <a:effectLst>
-            <a:outerShdw blurRad="50800" dist="38100" dir="3300000" algn="t" rotWithShape="0">
-              <a:schemeClr val="bg1">
-                <a:alpha val="40000"/>
-              </a:schemeClr>
+            <a:outerShdw blurRad="44450" dist="27940" dir="5400000" algn="ctr">
+              <a:srgbClr val="000000">
+                <a:alpha val="32000"/>
+              </a:srgbClr>
             </a:outerShdw>
           </a:effectLst>
+          <a:scene3d>
+            <a:camera prst="orthographicFront">
+              <a:rot lat="0" lon="0" rev="0"/>
+            </a:camera>
+            <a:lightRig rig="balanced" dir="t">
+              <a:rot lat="0" lon="0" rev="8700000"/>
+            </a:lightRig>
+          </a:scene3d>
+          <a:sp3d>
+            <a:bevelT w="190500" h="38100"/>
+          </a:sp3d>
         </p:spPr>
         <p:style>
           <a:lnRef idx="2">
@@ -4569,10 +4266,10 @@
       </p:sp>
       <p:sp>
         <p:nvSpPr>
-          <p:cNvPr id="39" name="Retângulo: Cantos Arredondados 38">
-            <a:extLst>
-              <a:ext uri="{FF2B5EF4-FFF2-40B4-BE49-F238E27FC236}">
-                <a16:creationId xmlns:a16="http://schemas.microsoft.com/office/drawing/2014/main" id="{C128B634-CB5B-47B3-805B-ADD0910BB04D}"/>
+          <p:cNvPr id="42" name="Retângulo: Cantos Arredondados 41">
+            <a:extLst>
+              <a:ext uri="{FF2B5EF4-FFF2-40B4-BE49-F238E27FC236}">
+                <a16:creationId xmlns:a16="http://schemas.microsoft.com/office/drawing/2014/main" id="{C3033175-8066-4BD7-A4F8-9F7119001EC9}"/>
               </a:ext>
             </a:extLst>
           </p:cNvPr>
@@ -4581,44 +4278,38 @@
         </p:nvSpPr>
         <p:spPr>
           <a:xfrm>
-            <a:off x="7363500" y="757354"/>
-            <a:ext cx="1379396" cy="712067"/>
+            <a:off x="10335652" y="111024"/>
+            <a:ext cx="1723915" cy="1358398"/>
           </a:xfrm>
           <a:prstGeom prst="roundRect">
             <a:avLst>
               <a:gd name="adj" fmla="val 3334"/>
             </a:avLst>
           </a:prstGeom>
-          <a:gradFill flip="none" rotWithShape="1">
-            <a:gsLst>
-              <a:gs pos="0">
-                <a:srgbClr val="261D65"/>
-              </a:gs>
-              <a:gs pos="62000">
-                <a:srgbClr val="17123E"/>
-              </a:gs>
-              <a:gs pos="76000">
-                <a:srgbClr val="17123E"/>
-              </a:gs>
-              <a:gs pos="100000">
-                <a:srgbClr val="17123E"/>
-              </a:gs>
-            </a:gsLst>
-            <a:lin ang="2700000" scaled="1"/>
-            <a:tileRect/>
-          </a:gradFill>
+          <a:solidFill>
+            <a:srgbClr val="645354"/>
+          </a:solidFill>
           <a:ln>
-            <a:solidFill>
-              <a:srgbClr val="074365"/>
-            </a:solidFill>
+            <a:noFill/>
           </a:ln>
           <a:effectLst>
-            <a:outerShdw blurRad="50800" dist="38100" dir="3300000" algn="t" rotWithShape="0">
-              <a:schemeClr val="bg1">
-                <a:alpha val="40000"/>
-              </a:schemeClr>
+            <a:outerShdw blurRad="44450" dist="27940" dir="5400000" algn="ctr">
+              <a:srgbClr val="000000">
+                <a:alpha val="32000"/>
+              </a:srgbClr>
             </a:outerShdw>
           </a:effectLst>
+          <a:scene3d>
+            <a:camera prst="orthographicFront">
+              <a:rot lat="0" lon="0" rev="0"/>
+            </a:camera>
+            <a:lightRig rig="balanced" dir="t">
+              <a:rot lat="0" lon="0" rev="8700000"/>
+            </a:lightRig>
+          </a:scene3d>
+          <a:sp3d>
+            <a:bevelT w="190500" h="38100"/>
+          </a:sp3d>
         </p:spPr>
         <p:style>
           <a:lnRef idx="2">
@@ -4674,12 +4365,424 @@
           </a:p>
         </p:txBody>
       </p:sp>
-      <p:sp>
-        <p:nvSpPr>
-          <p:cNvPr id="40" name="Retângulo: Cantos Arredondados 39">
-            <a:extLst>
-              <a:ext uri="{FF2B5EF4-FFF2-40B4-BE49-F238E27FC236}">
-                <a16:creationId xmlns:a16="http://schemas.microsoft.com/office/drawing/2014/main" id="{52E0DA9C-CCFF-4DF4-9ADD-8E1F94A7D308}"/>
+      <p:grpSp>
+        <p:nvGrpSpPr>
+          <p:cNvPr id="23" name="Agrupar 22">
+            <a:extLst>
+              <a:ext uri="{FF2B5EF4-FFF2-40B4-BE49-F238E27FC236}">
+                <a16:creationId xmlns:a16="http://schemas.microsoft.com/office/drawing/2014/main" id="{8F8C1A94-4A51-425F-89EF-740F9FC56448}"/>
+              </a:ext>
+            </a:extLst>
+          </p:cNvPr>
+          <p:cNvGrpSpPr/>
+          <p:nvPr/>
+        </p:nvGrpSpPr>
+        <p:grpSpPr>
+          <a:xfrm>
+            <a:off x="70295" y="129686"/>
+            <a:ext cx="1749554" cy="569163"/>
+            <a:chOff x="-5206" y="8978"/>
+            <a:chExt cx="1749554" cy="569163"/>
+          </a:xfrm>
+        </p:grpSpPr>
+        <p:sp>
+          <p:nvSpPr>
+            <p:cNvPr id="24" name="Retângulo 23">
+              <a:extLst>
+                <a:ext uri="{FF2B5EF4-FFF2-40B4-BE49-F238E27FC236}">
+                  <a16:creationId xmlns:a16="http://schemas.microsoft.com/office/drawing/2014/main" id="{5A795E40-25D7-4C4C-B0AD-9863AB486564}"/>
+                </a:ext>
+              </a:extLst>
+            </p:cNvPr>
+            <p:cNvSpPr/>
+            <p:nvPr/>
+          </p:nvSpPr>
+          <p:spPr>
+            <a:xfrm>
+              <a:off x="241816" y="122612"/>
+              <a:ext cx="1502532" cy="307777"/>
+            </a:xfrm>
+            <a:prstGeom prst="rect">
+              <a:avLst/>
+            </a:prstGeom>
+            <a:noFill/>
+          </p:spPr>
+          <p:txBody>
+            <a:bodyPr wrap="square" lIns="91440" tIns="45720" rIns="91440" bIns="45720">
+              <a:spAutoFit/>
+            </a:bodyPr>
+            <a:lstStyle>
+              <a:defPPr>
+                <a:defRPr lang="en-US"/>
+              </a:defPPr>
+              <a:lvl1pPr marL="0" algn="l" defTabSz="457200" rtl="0" eaLnBrk="1" latinLnBrk="0" hangingPunct="1">
+                <a:defRPr sz="1800" kern="1200">
+                  <a:solidFill>
+                    <a:schemeClr val="tx1"/>
+                  </a:solidFill>
+                  <a:latin typeface="+mn-lt"/>
+                  <a:ea typeface="+mn-ea"/>
+                  <a:cs typeface="+mn-cs"/>
+                </a:defRPr>
+              </a:lvl1pPr>
+              <a:lvl2pPr marL="457200" algn="l" defTabSz="457200" rtl="0" eaLnBrk="1" latinLnBrk="0" hangingPunct="1">
+                <a:defRPr sz="1800" kern="1200">
+                  <a:solidFill>
+                    <a:schemeClr val="tx1"/>
+                  </a:solidFill>
+                  <a:latin typeface="+mn-lt"/>
+                  <a:ea typeface="+mn-ea"/>
+                  <a:cs typeface="+mn-cs"/>
+                </a:defRPr>
+              </a:lvl2pPr>
+              <a:lvl3pPr marL="914400" algn="l" defTabSz="457200" rtl="0" eaLnBrk="1" latinLnBrk="0" hangingPunct="1">
+                <a:defRPr sz="1800" kern="1200">
+                  <a:solidFill>
+                    <a:schemeClr val="tx1"/>
+                  </a:solidFill>
+                  <a:latin typeface="+mn-lt"/>
+                  <a:ea typeface="+mn-ea"/>
+                  <a:cs typeface="+mn-cs"/>
+                </a:defRPr>
+              </a:lvl3pPr>
+              <a:lvl4pPr marL="1371600" algn="l" defTabSz="457200" rtl="0" eaLnBrk="1" latinLnBrk="0" hangingPunct="1">
+                <a:defRPr sz="1800" kern="1200">
+                  <a:solidFill>
+                    <a:schemeClr val="tx1"/>
+                  </a:solidFill>
+                  <a:latin typeface="+mn-lt"/>
+                  <a:ea typeface="+mn-ea"/>
+                  <a:cs typeface="+mn-cs"/>
+                </a:defRPr>
+              </a:lvl4pPr>
+              <a:lvl5pPr marL="1828800" algn="l" defTabSz="457200" rtl="0" eaLnBrk="1" latinLnBrk="0" hangingPunct="1">
+                <a:defRPr sz="1800" kern="1200">
+                  <a:solidFill>
+                    <a:schemeClr val="tx1"/>
+                  </a:solidFill>
+                  <a:latin typeface="+mn-lt"/>
+                  <a:ea typeface="+mn-ea"/>
+                  <a:cs typeface="+mn-cs"/>
+                </a:defRPr>
+              </a:lvl5pPr>
+              <a:lvl6pPr marL="2286000" algn="l" defTabSz="457200" rtl="0" eaLnBrk="1" latinLnBrk="0" hangingPunct="1">
+                <a:defRPr sz="1800" kern="1200">
+                  <a:solidFill>
+                    <a:schemeClr val="tx1"/>
+                  </a:solidFill>
+                  <a:latin typeface="+mn-lt"/>
+                  <a:ea typeface="+mn-ea"/>
+                  <a:cs typeface="+mn-cs"/>
+                </a:defRPr>
+              </a:lvl6pPr>
+              <a:lvl7pPr marL="2743200" algn="l" defTabSz="457200" rtl="0" eaLnBrk="1" latinLnBrk="0" hangingPunct="1">
+                <a:defRPr sz="1800" kern="1200">
+                  <a:solidFill>
+                    <a:schemeClr val="tx1"/>
+                  </a:solidFill>
+                  <a:latin typeface="+mn-lt"/>
+                  <a:ea typeface="+mn-ea"/>
+                  <a:cs typeface="+mn-cs"/>
+                </a:defRPr>
+              </a:lvl7pPr>
+              <a:lvl8pPr marL="3200400" algn="l" defTabSz="457200" rtl="0" eaLnBrk="1" latinLnBrk="0" hangingPunct="1">
+                <a:defRPr sz="1800" kern="1200">
+                  <a:solidFill>
+                    <a:schemeClr val="tx1"/>
+                  </a:solidFill>
+                  <a:latin typeface="+mn-lt"/>
+                  <a:ea typeface="+mn-ea"/>
+                  <a:cs typeface="+mn-cs"/>
+                </a:defRPr>
+              </a:lvl8pPr>
+              <a:lvl9pPr marL="3657600" algn="l" defTabSz="457200" rtl="0" eaLnBrk="1" latinLnBrk="0" hangingPunct="1">
+                <a:defRPr sz="1800" kern="1200">
+                  <a:solidFill>
+                    <a:schemeClr val="tx1"/>
+                  </a:solidFill>
+                  <a:latin typeface="+mn-lt"/>
+                  <a:ea typeface="+mn-ea"/>
+                  <a:cs typeface="+mn-cs"/>
+                </a:defRPr>
+              </a:lvl9pPr>
+            </a:lstStyle>
+            <a:p>
+              <a:pPr algn="ctr"/>
+              <a:r>
+                <a:rPr lang="pt-BR" sz="1400" dirty="0" err="1">
+                  <a:ln w="0">
+                    <a:solidFill>
+                      <a:schemeClr val="bg1"/>
+                    </a:solidFill>
+                  </a:ln>
+                  <a:solidFill>
+                    <a:schemeClr val="bg1"/>
+                  </a:solidFill>
+                  <a:latin typeface="Century Gothic" panose="020B0502020202020204" pitchFamily="34" charset="0"/>
+                </a:rPr>
+                <a:t>omércio</a:t>
+              </a:r>
+              <a:r>
+                <a:rPr lang="pt-BR" sz="1400" cap="none" spc="0" dirty="0" err="1">
+                  <a:ln w="0">
+                    <a:solidFill>
+                      <a:schemeClr val="bg1"/>
+                    </a:solidFill>
+                  </a:ln>
+                  <a:solidFill>
+                    <a:schemeClr val="bg1"/>
+                  </a:solidFill>
+                  <a:latin typeface="Century Gothic" panose="020B0502020202020204" pitchFamily="34" charset="0"/>
+                </a:rPr>
+                <a:t>&amp;Cia</a:t>
+              </a:r>
+              <a:endParaRPr lang="pt-BR" sz="1400" cap="none" spc="0" dirty="0">
+                <a:ln w="0">
+                  <a:solidFill>
+                    <a:schemeClr val="bg1"/>
+                  </a:solidFill>
+                </a:ln>
+                <a:solidFill>
+                  <a:schemeClr val="bg1"/>
+                </a:solidFill>
+                <a:latin typeface="Century Gothic" panose="020B0502020202020204" pitchFamily="34" charset="0"/>
+              </a:endParaRPr>
+            </a:p>
+          </p:txBody>
+        </p:sp>
+        <p:pic>
+          <p:nvPicPr>
+            <p:cNvPr id="25" name="Imagem 24">
+              <a:extLst>
+                <a:ext uri="{FF2B5EF4-FFF2-40B4-BE49-F238E27FC236}">
+                  <a16:creationId xmlns:a16="http://schemas.microsoft.com/office/drawing/2014/main" id="{4708A6EF-C5DE-475E-8968-6A381118E932}"/>
+                </a:ext>
+              </a:extLst>
+            </p:cNvPr>
+            <p:cNvPicPr>
+              <a:picLocks noChangeAspect="1"/>
+            </p:cNvPicPr>
+            <p:nvPr/>
+          </p:nvPicPr>
+          <p:blipFill>
+            <a:blip r:embed="rId2">
+              <a:extLst>
+                <a:ext uri="{28A0092B-C50C-407E-A947-70E740481C1C}">
+                  <a14:useLocalDpi xmlns:a14="http://schemas.microsoft.com/office/drawing/2010/main" val="0"/>
+                </a:ext>
+              </a:extLst>
+            </a:blip>
+            <a:stretch>
+              <a:fillRect/>
+            </a:stretch>
+          </p:blipFill>
+          <p:spPr>
+            <a:xfrm>
+              <a:off x="-5206" y="8978"/>
+              <a:ext cx="474584" cy="569163"/>
+            </a:xfrm>
+            <a:prstGeom prst="rect">
+              <a:avLst/>
+            </a:prstGeom>
+          </p:spPr>
+        </p:pic>
+      </p:grpSp>
+      <p:pic>
+        <p:nvPicPr>
+          <p:cNvPr id="26" name="Imagem 25" descr="Ícone&#10;&#10;Descrição gerada automaticamente">
+            <a:extLst>
+              <a:ext uri="{FF2B5EF4-FFF2-40B4-BE49-F238E27FC236}">
+                <a16:creationId xmlns:a16="http://schemas.microsoft.com/office/drawing/2014/main" id="{E07B0686-C263-4337-8407-E25B0401164F}"/>
+              </a:ext>
+            </a:extLst>
+          </p:cNvPr>
+          <p:cNvPicPr>
+            <a:picLocks noChangeAspect="1"/>
+          </p:cNvPicPr>
+          <p:nvPr/>
+        </p:nvPicPr>
+        <p:blipFill>
+          <a:blip r:embed="rId3">
+            <a:duotone>
+              <a:schemeClr val="accent2">
+                <a:shade val="45000"/>
+                <a:satMod val="135000"/>
+              </a:schemeClr>
+              <a:prstClr val="white"/>
+            </a:duotone>
+            <a:extLst>
+              <a:ext uri="{28A0092B-C50C-407E-A947-70E740481C1C}">
+                <a14:useLocalDpi xmlns:a14="http://schemas.microsoft.com/office/drawing/2010/main" val="0"/>
+              </a:ext>
+            </a:extLst>
+          </a:blip>
+          <a:stretch>
+            <a:fillRect/>
+          </a:stretch>
+        </p:blipFill>
+        <p:spPr>
+          <a:xfrm>
+            <a:off x="326049" y="843971"/>
+            <a:ext cx="540000" cy="540000"/>
+          </a:xfrm>
+          <a:prstGeom prst="rect">
+            <a:avLst/>
+          </a:prstGeom>
+        </p:spPr>
+      </p:pic>
+      <p:pic>
+        <p:nvPicPr>
+          <p:cNvPr id="27" name="Imagem 26" descr="Ícone&#10;&#10;Descrição gerada automaticamente">
+            <a:extLst>
+              <a:ext uri="{FF2B5EF4-FFF2-40B4-BE49-F238E27FC236}">
+                <a16:creationId xmlns:a16="http://schemas.microsoft.com/office/drawing/2014/main" id="{BDCFAFDB-F11D-4E26-A44F-A60043E274E4}"/>
+              </a:ext>
+            </a:extLst>
+          </p:cNvPr>
+          <p:cNvPicPr>
+            <a:picLocks noChangeAspect="1"/>
+          </p:cNvPicPr>
+          <p:nvPr/>
+        </p:nvPicPr>
+        <p:blipFill>
+          <a:blip r:embed="rId4">
+            <a:duotone>
+              <a:schemeClr val="accent2">
+                <a:shade val="45000"/>
+                <a:satMod val="135000"/>
+              </a:schemeClr>
+              <a:prstClr val="white"/>
+            </a:duotone>
+            <a:extLst>
+              <a:ext uri="{BEBA8EAE-BF5A-486C-A8C5-ECC9F3942E4B}">
+                <a14:imgProps xmlns:a14="http://schemas.microsoft.com/office/drawing/2010/main">
+                  <a14:imgLayer r:embed="rId5">
+                    <a14:imgEffect>
+                      <a14:saturation sat="0"/>
+                    </a14:imgEffect>
+                  </a14:imgLayer>
+                </a14:imgProps>
+              </a:ext>
+              <a:ext uri="{28A0092B-C50C-407E-A947-70E740481C1C}">
+                <a14:useLocalDpi xmlns:a14="http://schemas.microsoft.com/office/drawing/2010/main" val="0"/>
+              </a:ext>
+            </a:extLst>
+          </a:blip>
+          <a:stretch>
+            <a:fillRect/>
+          </a:stretch>
+        </p:blipFill>
+        <p:spPr>
+          <a:xfrm>
+            <a:off x="2888155" y="843971"/>
+            <a:ext cx="540000" cy="540000"/>
+          </a:xfrm>
+          <a:prstGeom prst="rect">
+            <a:avLst/>
+          </a:prstGeom>
+        </p:spPr>
+      </p:pic>
+      <p:pic>
+        <p:nvPicPr>
+          <p:cNvPr id="28" name="Imagem 27" descr="Logotipo, Ícone&#10;&#10;Descrição gerada automaticamente">
+            <a:extLst>
+              <a:ext uri="{FF2B5EF4-FFF2-40B4-BE49-F238E27FC236}">
+                <a16:creationId xmlns:a16="http://schemas.microsoft.com/office/drawing/2014/main" id="{9593F2A6-A3FA-47BA-82C7-0A34BF87D368}"/>
+              </a:ext>
+            </a:extLst>
+          </p:cNvPr>
+          <p:cNvPicPr>
+            <a:picLocks noChangeAspect="1"/>
+          </p:cNvPicPr>
+          <p:nvPr/>
+        </p:nvPicPr>
+        <p:blipFill>
+          <a:blip r:embed="rId6">
+            <a:duotone>
+              <a:schemeClr val="accent2">
+                <a:shade val="45000"/>
+                <a:satMod val="135000"/>
+              </a:schemeClr>
+              <a:prstClr val="white"/>
+            </a:duotone>
+            <a:extLst>
+              <a:ext uri="{BEBA8EAE-BF5A-486C-A8C5-ECC9F3942E4B}">
+                <a14:imgProps xmlns:a14="http://schemas.microsoft.com/office/drawing/2010/main">
+                  <a14:imgLayer r:embed="rId7">
+                    <a14:imgEffect>
+                      <a14:saturation sat="0"/>
+                    </a14:imgEffect>
+                  </a14:imgLayer>
+                </a14:imgProps>
+              </a:ext>
+              <a:ext uri="{28A0092B-C50C-407E-A947-70E740481C1C}">
+                <a14:useLocalDpi xmlns:a14="http://schemas.microsoft.com/office/drawing/2010/main" val="0"/>
+              </a:ext>
+            </a:extLst>
+          </a:blip>
+          <a:stretch>
+            <a:fillRect/>
+          </a:stretch>
+        </p:blipFill>
+        <p:spPr>
+          <a:xfrm>
+            <a:off x="5447156" y="838568"/>
+            <a:ext cx="540000" cy="540000"/>
+          </a:xfrm>
+          <a:prstGeom prst="rect">
+            <a:avLst/>
+          </a:prstGeom>
+        </p:spPr>
+      </p:pic>
+      <p:pic>
+        <p:nvPicPr>
+          <p:cNvPr id="35" name="Imagem 34" descr="Ícone&#10;&#10;Descrição gerada automaticamente">
+            <a:extLst>
+              <a:ext uri="{FF2B5EF4-FFF2-40B4-BE49-F238E27FC236}">
+                <a16:creationId xmlns:a16="http://schemas.microsoft.com/office/drawing/2014/main" id="{C0F4FE92-E302-4367-9038-D8D672C519EE}"/>
+              </a:ext>
+            </a:extLst>
+          </p:cNvPr>
+          <p:cNvPicPr>
+            <a:picLocks noChangeAspect="1"/>
+          </p:cNvPicPr>
+          <p:nvPr/>
+        </p:nvPicPr>
+        <p:blipFill>
+          <a:blip r:embed="rId8">
+            <a:duotone>
+              <a:schemeClr val="accent2">
+                <a:shade val="45000"/>
+                <a:satMod val="135000"/>
+              </a:schemeClr>
+              <a:prstClr val="white"/>
+            </a:duotone>
+            <a:extLst>
+              <a:ext uri="{28A0092B-C50C-407E-A947-70E740481C1C}">
+                <a14:useLocalDpi xmlns:a14="http://schemas.microsoft.com/office/drawing/2010/main" val="0"/>
+              </a:ext>
+            </a:extLst>
+          </a:blip>
+          <a:stretch>
+            <a:fillRect/>
+          </a:stretch>
+        </p:blipFill>
+        <p:spPr>
+          <a:xfrm>
+            <a:off x="10420727" y="230618"/>
+            <a:ext cx="526736" cy="526736"/>
+          </a:xfrm>
+          <a:prstGeom prst="rect">
+            <a:avLst/>
+          </a:prstGeom>
+        </p:spPr>
+      </p:pic>
+      <p:sp>
+        <p:nvSpPr>
+          <p:cNvPr id="41" name="Retângulo: Cantos Arredondados 40">
+            <a:extLst>
+              <a:ext uri="{FF2B5EF4-FFF2-40B4-BE49-F238E27FC236}">
+                <a16:creationId xmlns:a16="http://schemas.microsoft.com/office/drawing/2014/main" id="{4484238A-1F35-4C6D-AB62-5817B1870D1B}"/>
               </a:ext>
             </a:extLst>
           </p:cNvPr>
@@ -4688,44 +4791,38 @@
         </p:nvSpPr>
         <p:spPr>
           <a:xfrm>
-            <a:off x="8870357" y="757354"/>
-            <a:ext cx="1568582" cy="712067"/>
+            <a:off x="7864794" y="767019"/>
+            <a:ext cx="2264400" cy="712067"/>
           </a:xfrm>
           <a:prstGeom prst="roundRect">
             <a:avLst>
               <a:gd name="adj" fmla="val 3334"/>
             </a:avLst>
           </a:prstGeom>
-          <a:gradFill flip="none" rotWithShape="1">
-            <a:gsLst>
-              <a:gs pos="0">
-                <a:srgbClr val="261D65"/>
-              </a:gs>
-              <a:gs pos="62000">
-                <a:srgbClr val="17123E"/>
-              </a:gs>
-              <a:gs pos="76000">
-                <a:srgbClr val="17123E"/>
-              </a:gs>
-              <a:gs pos="100000">
-                <a:srgbClr val="17123E"/>
-              </a:gs>
-            </a:gsLst>
-            <a:lin ang="2700000" scaled="1"/>
-            <a:tileRect/>
-          </a:gradFill>
+          <a:solidFill>
+            <a:srgbClr val="645354"/>
+          </a:solidFill>
           <a:ln>
-            <a:solidFill>
-              <a:srgbClr val="074365"/>
-            </a:solidFill>
+            <a:noFill/>
           </a:ln>
           <a:effectLst>
-            <a:outerShdw blurRad="50800" dist="38100" dir="3300000" algn="t" rotWithShape="0">
-              <a:schemeClr val="bg1">
-                <a:alpha val="40000"/>
-              </a:schemeClr>
+            <a:outerShdw blurRad="44450" dist="27940" dir="5400000" algn="ctr">
+              <a:srgbClr val="000000">
+                <a:alpha val="32000"/>
+              </a:srgbClr>
             </a:outerShdw>
           </a:effectLst>
+          <a:scene3d>
+            <a:camera prst="orthographicFront">
+              <a:rot lat="0" lon="0" rev="0"/>
+            </a:camera>
+            <a:lightRig rig="balanced" dir="t">
+              <a:rot lat="0" lon="0" rev="8700000"/>
+            </a:lightRig>
+          </a:scene3d>
+          <a:sp3d>
+            <a:bevelT w="190500" h="38100"/>
+          </a:sp3d>
         </p:spPr>
         <p:style>
           <a:lnRef idx="2">
@@ -4781,113 +4878,58 @@
           </a:p>
         </p:txBody>
       </p:sp>
-      <p:sp>
-        <p:nvSpPr>
-          <p:cNvPr id="42" name="Retângulo: Cantos Arredondados 41">
-            <a:extLst>
-              <a:ext uri="{FF2B5EF4-FFF2-40B4-BE49-F238E27FC236}">
-                <a16:creationId xmlns:a16="http://schemas.microsoft.com/office/drawing/2014/main" id="{C3033175-8066-4BD7-A4F8-9F7119001EC9}"/>
-              </a:ext>
-            </a:extLst>
-          </p:cNvPr>
-          <p:cNvSpPr/>
+      <p:pic>
+        <p:nvPicPr>
+          <p:cNvPr id="30" name="Imagem 29" descr="Ícone&#10;&#10;Descrição gerada automaticamente">
+            <a:extLst>
+              <a:ext uri="{FF2B5EF4-FFF2-40B4-BE49-F238E27FC236}">
+                <a16:creationId xmlns:a16="http://schemas.microsoft.com/office/drawing/2014/main" id="{5DAE96BF-88A0-4A5B-8B04-4B6E6E0B2174}"/>
+              </a:ext>
+            </a:extLst>
+          </p:cNvPr>
+          <p:cNvPicPr>
+            <a:picLocks noChangeAspect="1"/>
+          </p:cNvPicPr>
           <p:nvPr/>
-        </p:nvSpPr>
+        </p:nvPicPr>
+        <p:blipFill>
+          <a:blip r:embed="rId9">
+            <a:duotone>
+              <a:schemeClr val="accent2">
+                <a:shade val="45000"/>
+                <a:satMod val="135000"/>
+              </a:schemeClr>
+              <a:prstClr val="white"/>
+            </a:duotone>
+            <a:extLst>
+              <a:ext uri="{BEBA8EAE-BF5A-486C-A8C5-ECC9F3942E4B}">
+                <a14:imgProps xmlns:a14="http://schemas.microsoft.com/office/drawing/2010/main">
+                  <a14:imgLayer r:embed="rId10">
+                    <a14:imgEffect>
+                      <a14:saturation sat="0"/>
+                    </a14:imgEffect>
+                  </a14:imgLayer>
+                </a14:imgProps>
+              </a:ext>
+              <a:ext uri="{28A0092B-C50C-407E-A947-70E740481C1C}">
+                <a14:useLocalDpi xmlns:a14="http://schemas.microsoft.com/office/drawing/2010/main" val="0"/>
+              </a:ext>
+            </a:extLst>
+          </a:blip>
+          <a:stretch>
+            <a:fillRect/>
+          </a:stretch>
+        </p:blipFill>
         <p:spPr>
           <a:xfrm>
-            <a:off x="10566400" y="757354"/>
-            <a:ext cx="1493167" cy="712067"/>
+            <a:off x="8004293" y="838568"/>
+            <a:ext cx="602027" cy="615291"/>
           </a:xfrm>
-          <a:prstGeom prst="roundRect">
-            <a:avLst>
-              <a:gd name="adj" fmla="val 3334"/>
-            </a:avLst>
+          <a:prstGeom prst="rect">
+            <a:avLst/>
           </a:prstGeom>
-          <a:gradFill flip="none" rotWithShape="1">
-            <a:gsLst>
-              <a:gs pos="0">
-                <a:srgbClr val="261D65"/>
-              </a:gs>
-              <a:gs pos="62000">
-                <a:srgbClr val="17123E"/>
-              </a:gs>
-              <a:gs pos="76000">
-                <a:srgbClr val="17123E"/>
-              </a:gs>
-              <a:gs pos="100000">
-                <a:srgbClr val="17123E"/>
-              </a:gs>
-            </a:gsLst>
-            <a:lin ang="2700000" scaled="1"/>
-            <a:tileRect/>
-          </a:gradFill>
-          <a:ln>
-            <a:solidFill>
-              <a:srgbClr val="074365"/>
-            </a:solidFill>
-          </a:ln>
-          <a:effectLst>
-            <a:outerShdw blurRad="50800" dist="38100" dir="3300000" algn="t" rotWithShape="0">
-              <a:schemeClr val="bg1">
-                <a:alpha val="40000"/>
-              </a:schemeClr>
-            </a:outerShdw>
-          </a:effectLst>
         </p:spPr>
-        <p:style>
-          <a:lnRef idx="2">
-            <a:schemeClr val="accent1">
-              <a:shade val="50000"/>
-            </a:schemeClr>
-          </a:lnRef>
-          <a:fillRef idx="1">
-            <a:schemeClr val="accent1"/>
-          </a:fillRef>
-          <a:effectRef idx="0">
-            <a:schemeClr val="accent1"/>
-          </a:effectRef>
-          <a:fontRef idx="minor">
-            <a:schemeClr val="lt1"/>
-          </a:fontRef>
-        </p:style>
-        <p:txBody>
-          <a:bodyPr rtlCol="0" anchor="ctr"/>
-          <a:lstStyle/>
-          <a:p>
-            <a:pPr marL="0" marR="0" lvl="0" indent="0" algn="ctr" defTabSz="914400" rtl="0" eaLnBrk="1" fontAlgn="auto" latinLnBrk="0" hangingPunct="1">
-              <a:lnSpc>
-                <a:spcPct val="100000"/>
-              </a:lnSpc>
-              <a:spcBef>
-                <a:spcPts val="0"/>
-              </a:spcBef>
-              <a:spcAft>
-                <a:spcPts val="0"/>
-              </a:spcAft>
-              <a:buClrTx/>
-              <a:buSzTx/>
-              <a:buFontTx/>
-              <a:buNone/>
-              <a:tabLst/>
-              <a:defRPr/>
-            </a:pPr>
-            <a:endParaRPr kumimoji="0" lang="pt-BR" sz="1800" b="0" i="0" u="none" strike="noStrike" kern="1200" cap="none" spc="0" normalizeH="0" baseline="0" noProof="0">
-              <a:ln>
-                <a:noFill/>
-              </a:ln>
-              <a:solidFill>
-                <a:prstClr val="white"/>
-              </a:solidFill>
-              <a:effectLst/>
-              <a:uLnTx/>
-              <a:uFillTx/>
-              <a:latin typeface="Calibri" panose="020F0502020204030204"/>
-              <a:ea typeface="+mn-ea"/>
-              <a:cs typeface="+mn-cs"/>
-            </a:endParaRPr>
-          </a:p>
-        </p:txBody>
-      </p:sp>
+      </p:pic>
     </p:spTree>
     <p:extLst>
       <p:ext uri="{BB962C8B-B14F-4D97-AF65-F5344CB8AC3E}">
@@ -4940,27 +4982,12 @@
               <a:gd name="adj" fmla="val 3334"/>
             </a:avLst>
           </a:prstGeom>
-          <a:gradFill flip="none" rotWithShape="1">
-            <a:gsLst>
-              <a:gs pos="0">
-                <a:srgbClr val="113981"/>
-              </a:gs>
-              <a:gs pos="46000">
-                <a:srgbClr val="1F1850"/>
-              </a:gs>
-              <a:gs pos="76000">
-                <a:srgbClr val="17123E"/>
-              </a:gs>
-              <a:gs pos="100000">
-                <a:srgbClr val="17123E"/>
-              </a:gs>
-            </a:gsLst>
-            <a:lin ang="7200000" scaled="0"/>
-            <a:tileRect/>
-          </a:gradFill>
+          <a:solidFill>
+            <a:srgbClr val="C5881A"/>
+          </a:solidFill>
           <a:ln>
             <a:solidFill>
-              <a:srgbClr val="002060"/>
+              <a:srgbClr val="C5881A"/>
             </a:solidFill>
           </a:ln>
         </p:spPr>
@@ -5040,34 +5067,30 @@
               <a:gd name="adj" fmla="val 12781"/>
             </a:avLst>
           </a:prstGeom>
-          <a:gradFill flip="none" rotWithShape="1">
-            <a:gsLst>
-              <a:gs pos="0">
-                <a:srgbClr val="281F6B"/>
-              </a:gs>
-              <a:gs pos="62000">
-                <a:srgbClr val="17123E"/>
-              </a:gs>
-              <a:gs pos="76000">
-                <a:srgbClr val="17123E"/>
-              </a:gs>
-              <a:gs pos="100000">
-                <a:srgbClr val="17123E"/>
-              </a:gs>
-            </a:gsLst>
-            <a:lin ang="2700000" scaled="1"/>
-            <a:tileRect/>
-          </a:gradFill>
+          <a:solidFill>
+            <a:srgbClr val="645354"/>
+          </a:solidFill>
           <a:ln>
             <a:noFill/>
           </a:ln>
           <a:effectLst>
-            <a:outerShdw blurRad="50800" dist="38100" dir="3300000" algn="t" rotWithShape="0">
-              <a:schemeClr val="bg1">
-                <a:alpha val="40000"/>
-              </a:schemeClr>
+            <a:outerShdw blurRad="44450" dist="27940" dir="5400000" algn="ctr">
+              <a:srgbClr val="000000">
+                <a:alpha val="32000"/>
+              </a:srgbClr>
             </a:outerShdw>
           </a:effectLst>
+          <a:scene3d>
+            <a:camera prst="orthographicFront">
+              <a:rot lat="0" lon="0" rev="0"/>
+            </a:camera>
+            <a:lightRig rig="balanced" dir="t">
+              <a:rot lat="0" lon="0" rev="8700000"/>
+            </a:lightRig>
+          </a:scene3d>
+          <a:sp3d>
+            <a:bevelT w="190500" h="38100"/>
+          </a:sp3d>
         </p:spPr>
         <p:style>
           <a:lnRef idx="2">
@@ -5145,31 +5168,30 @@
               <a:gd name="adj" fmla="val 10925"/>
             </a:avLst>
           </a:prstGeom>
-          <a:gradFill flip="none" rotWithShape="1">
-            <a:gsLst>
-              <a:gs pos="0">
-                <a:srgbClr val="014357"/>
-              </a:gs>
-              <a:gs pos="53000">
-                <a:srgbClr val="026B8C"/>
-              </a:gs>
-              <a:gs pos="100000">
-                <a:srgbClr val="0281AA"/>
-              </a:gs>
-            </a:gsLst>
-            <a:lin ang="13500000" scaled="1"/>
-            <a:tileRect/>
-          </a:gradFill>
+          <a:solidFill>
+            <a:srgbClr val="645354"/>
+          </a:solidFill>
           <a:ln>
             <a:noFill/>
           </a:ln>
           <a:effectLst>
-            <a:outerShdw blurRad="50800" dist="38100" dir="3300000" algn="t" rotWithShape="0">
-              <a:schemeClr val="bg1">
-                <a:alpha val="40000"/>
-              </a:schemeClr>
+            <a:outerShdw blurRad="44450" dist="27940" dir="5400000" algn="ctr">
+              <a:srgbClr val="000000">
+                <a:alpha val="32000"/>
+              </a:srgbClr>
             </a:outerShdw>
           </a:effectLst>
+          <a:scene3d>
+            <a:camera prst="orthographicFront">
+              <a:rot lat="0" lon="0" rev="0"/>
+            </a:camera>
+            <a:lightRig rig="balanced" dir="t">
+              <a:rot lat="0" lon="0" rev="8700000"/>
+            </a:lightRig>
+          </a:scene3d>
+          <a:sp3d>
+            <a:bevelT w="190500" h="38100"/>
+          </a:sp3d>
         </p:spPr>
         <p:style>
           <a:lnRef idx="2">
